--- a/3.42 Twins solution.pptx
+++ b/3.42 Twins solution.pptx
@@ -17581,7 +17581,7 @@
         </p:nvSpPr>
         <p:spPr>
           <a:xfrm>
-            <a:off x="1247188" y="202095"/>
+            <a:off x="942388" y="1098273"/>
             <a:ext cx="3868152" cy="4661453"/>
           </a:xfrm>
         </p:spPr>
@@ -17784,7 +17784,7 @@
             </p:nvSpPr>
             <p:spPr>
               <a:xfrm>
-                <a:off x="5088834" y="415715"/>
+                <a:off x="4810540" y="2888729"/>
                 <a:ext cx="5855978" cy="3639047"/>
               </a:xfrm>
             </p:spPr>
@@ -17974,7 +17974,210 @@
                           <m:rPr>
                             <m:nor/>
                           </m:rPr>
-                          <a:rPr lang="en-US" sz="2400" dirty="0"/>
+                          <a:rPr lang="en-US" sz="2400" dirty="0">
+                            <a:latin typeface="Times New Roman" panose="02020603050405020304" pitchFamily="18" charset="0"/>
+                            <a:cs typeface="Times New Roman" panose="02020603050405020304" pitchFamily="18" charset="0"/>
+                          </a:rPr>
+                          <m:t> | </m:t>
+                        </m:r>
+                        <m:r>
+                          <m:rPr>
+                            <m:nor/>
+                          </m:rPr>
+                          <a:rPr lang="en-US" sz="2400" dirty="0">
+                            <a:latin typeface="Times New Roman" panose="02020603050405020304" pitchFamily="18" charset="0"/>
+                            <a:cs typeface="Times New Roman" panose="02020603050405020304" pitchFamily="18" charset="0"/>
+                          </a:rPr>
+                          <m:t>I</m:t>
+                        </m:r>
+                        <m:r>
+                          <m:rPr>
+                            <m:nor/>
+                          </m:rPr>
+                          <a:rPr lang="en-US" sz="2400" dirty="0">
+                            <a:latin typeface="Times New Roman" panose="02020603050405020304" pitchFamily="18" charset="0"/>
+                            <a:cs typeface="Times New Roman" panose="02020603050405020304" pitchFamily="18" charset="0"/>
+                          </a:rPr>
+                          <m:t>) </m:t>
+                        </m:r>
+                        <m:r>
+                          <m:rPr>
+                            <m:nor/>
+                          </m:rPr>
+                          <a:rPr lang="en-US" sz="2400" dirty="0">
+                            <a:latin typeface="Times New Roman" panose="02020603050405020304" pitchFamily="18" charset="0"/>
+                            <a:cs typeface="Times New Roman" panose="02020603050405020304" pitchFamily="18" charset="0"/>
+                          </a:rPr>
+                          <m:t>x</m:t>
+                        </m:r>
+                        <m:r>
+                          <m:rPr>
+                            <m:nor/>
+                          </m:rPr>
+                          <a:rPr lang="en-US" sz="2400" dirty="0">
+                            <a:latin typeface="Times New Roman" panose="02020603050405020304" pitchFamily="18" charset="0"/>
+                            <a:cs typeface="Times New Roman" panose="02020603050405020304" pitchFamily="18" charset="0"/>
+                          </a:rPr>
+                          <m:t> </m:t>
+                        </m:r>
+                        <m:r>
+                          <m:rPr>
+                            <m:nor/>
+                          </m:rPr>
+                          <a:rPr lang="en-US" sz="2400" dirty="0">
+                            <a:latin typeface="Times New Roman" panose="02020603050405020304" pitchFamily="18" charset="0"/>
+                            <a:cs typeface="Times New Roman" panose="02020603050405020304" pitchFamily="18" charset="0"/>
+                          </a:rPr>
+                          <m:t>P</m:t>
+                        </m:r>
+                        <m:r>
+                          <m:rPr>
+                            <m:nor/>
+                          </m:rPr>
+                          <a:rPr lang="en-US" sz="2400" dirty="0">
+                            <a:latin typeface="Times New Roman" panose="02020603050405020304" pitchFamily="18" charset="0"/>
+                            <a:cs typeface="Times New Roman" panose="02020603050405020304" pitchFamily="18" charset="0"/>
+                          </a:rPr>
+                          <m:t>(</m:t>
+                        </m:r>
+                        <m:r>
+                          <m:rPr>
+                            <m:nor/>
+                          </m:rPr>
+                          <a:rPr lang="en-US" sz="2400" dirty="0">
+                            <a:latin typeface="Times New Roman" panose="02020603050405020304" pitchFamily="18" charset="0"/>
+                            <a:cs typeface="Times New Roman" panose="02020603050405020304" pitchFamily="18" charset="0"/>
+                          </a:rPr>
+                          <m:t>I</m:t>
+                        </m:r>
+                        <m:r>
+                          <m:rPr>
+                            <m:nor/>
+                          </m:rPr>
+                          <a:rPr lang="en-US" sz="2400" dirty="0">
+                            <a:latin typeface="Times New Roman" panose="02020603050405020304" pitchFamily="18" charset="0"/>
+                            <a:cs typeface="Times New Roman" panose="02020603050405020304" pitchFamily="18" charset="0"/>
+                          </a:rPr>
+                          <m:t>) + </m:t>
+                        </m:r>
+                        <m:r>
+                          <m:rPr>
+                            <m:nor/>
+                          </m:rPr>
+                          <a:rPr lang="en-US" sz="2400" dirty="0">
+                            <a:latin typeface="Times New Roman" panose="02020603050405020304" pitchFamily="18" charset="0"/>
+                            <a:cs typeface="Times New Roman" panose="02020603050405020304" pitchFamily="18" charset="0"/>
+                          </a:rPr>
+                          <m:t>P</m:t>
+                        </m:r>
+                        <m:r>
+                          <m:rPr>
+                            <m:nor/>
+                          </m:rPr>
+                          <a:rPr lang="en-US" sz="2400" dirty="0">
+                            <a:latin typeface="Times New Roman" panose="02020603050405020304" pitchFamily="18" charset="0"/>
+                            <a:cs typeface="Times New Roman" panose="02020603050405020304" pitchFamily="18" charset="0"/>
+                          </a:rPr>
+                          <m:t>(</m:t>
+                        </m:r>
+                        <m:r>
+                          <m:rPr>
+                            <m:nor/>
+                          </m:rPr>
+                          <a:rPr lang="en-US" sz="2400" dirty="0">
+                            <a:latin typeface="Times New Roman" panose="02020603050405020304" pitchFamily="18" charset="0"/>
+                            <a:cs typeface="Times New Roman" panose="02020603050405020304" pitchFamily="18" charset="0"/>
+                          </a:rPr>
+                          <m:t>FF</m:t>
+                        </m:r>
+                        <m:r>
+                          <m:rPr>
+                            <m:nor/>
+                          </m:rPr>
+                          <a:rPr lang="en-US" sz="2400" dirty="0">
+                            <a:latin typeface="Times New Roman" panose="02020603050405020304" pitchFamily="18" charset="0"/>
+                            <a:cs typeface="Times New Roman" panose="02020603050405020304" pitchFamily="18" charset="0"/>
+                          </a:rPr>
+                          <m:t> | </m:t>
+                        </m:r>
+                        <m:r>
+                          <m:rPr>
+                            <m:nor/>
+                          </m:rPr>
+                          <a:rPr lang="en-US" sz="2400" dirty="0">
+                            <a:latin typeface="Times New Roman" panose="02020603050405020304" pitchFamily="18" charset="0"/>
+                            <a:cs typeface="Times New Roman" panose="02020603050405020304" pitchFamily="18" charset="0"/>
+                          </a:rPr>
+                          <m:t>Ic</m:t>
+                        </m:r>
+                        <m:r>
+                          <m:rPr>
+                            <m:nor/>
+                          </m:rPr>
+                          <a:rPr lang="en-US" sz="2400" dirty="0">
+                            <a:latin typeface="Times New Roman" panose="02020603050405020304" pitchFamily="18" charset="0"/>
+                            <a:cs typeface="Times New Roman" panose="02020603050405020304" pitchFamily="18" charset="0"/>
+                          </a:rPr>
+                          <m:t> ) </m:t>
+                        </m:r>
+                        <m:r>
+                          <m:rPr>
+                            <m:nor/>
+                          </m:rPr>
+                          <a:rPr lang="en-US" sz="2400" dirty="0">
+                            <a:latin typeface="Times New Roman" panose="02020603050405020304" pitchFamily="18" charset="0"/>
+                            <a:cs typeface="Times New Roman" panose="02020603050405020304" pitchFamily="18" charset="0"/>
+                          </a:rPr>
+                          <m:t>x</m:t>
+                        </m:r>
+                        <m:r>
+                          <m:rPr>
+                            <m:nor/>
+                          </m:rPr>
+                          <a:rPr lang="en-US" sz="2400" dirty="0">
+                            <a:latin typeface="Times New Roman" panose="02020603050405020304" pitchFamily="18" charset="0"/>
+                            <a:cs typeface="Times New Roman" panose="02020603050405020304" pitchFamily="18" charset="0"/>
+                          </a:rPr>
+                          <m:t> </m:t>
+                        </m:r>
+                        <m:r>
+                          <m:rPr>
+                            <m:nor/>
+                          </m:rPr>
+                          <a:rPr lang="en-US" sz="2400" dirty="0">
+                            <a:latin typeface="Times New Roman" panose="02020603050405020304" pitchFamily="18" charset="0"/>
+                            <a:cs typeface="Times New Roman" panose="02020603050405020304" pitchFamily="18" charset="0"/>
+                          </a:rPr>
+                          <m:t>P</m:t>
+                        </m:r>
+                        <m:r>
+                          <m:rPr>
+                            <m:nor/>
+                          </m:rPr>
+                          <a:rPr lang="en-US" sz="2400" dirty="0">
+                            <a:latin typeface="Times New Roman" panose="02020603050405020304" pitchFamily="18" charset="0"/>
+                            <a:cs typeface="Times New Roman" panose="02020603050405020304" pitchFamily="18" charset="0"/>
+                          </a:rPr>
+                          <m:t>(</m:t>
+                        </m:r>
+                        <m:r>
+                          <m:rPr>
+                            <m:nor/>
+                          </m:rPr>
+                          <a:rPr lang="en-US" sz="2400" dirty="0">
+                            <a:latin typeface="Times New Roman" panose="02020603050405020304" pitchFamily="18" charset="0"/>
+                            <a:cs typeface="Times New Roman" panose="02020603050405020304" pitchFamily="18" charset="0"/>
+                          </a:rPr>
+                          <m:t>Ic</m:t>
+                        </m:r>
+                        <m:r>
+                          <m:rPr>
+                            <m:nor/>
+                          </m:rPr>
+                          <a:rPr lang="en-US" sz="2400" dirty="0">
+                            <a:latin typeface="Times New Roman" panose="02020603050405020304" pitchFamily="18" charset="0"/>
+                            <a:cs typeface="Times New Roman" panose="02020603050405020304" pitchFamily="18" charset="0"/>
+                          </a:rPr>
                           <m:t>)</m:t>
                         </m:r>
                       </m:den>
@@ -18050,7 +18253,7 @@
                             <a:latin typeface="Times New Roman" panose="02020603050405020304" pitchFamily="18" charset="0"/>
                             <a:cs typeface="Times New Roman" panose="02020603050405020304" pitchFamily="18" charset="0"/>
                           </a:rPr>
-                          <m:t>P</m:t>
+                          <m:t>.5 </m:t>
                         </m:r>
                         <m:r>
                           <m:rPr>
@@ -18060,7 +18263,7 @@
                             <a:latin typeface="Times New Roman" panose="02020603050405020304" pitchFamily="18" charset="0"/>
                             <a:cs typeface="Times New Roman" panose="02020603050405020304" pitchFamily="18" charset="0"/>
                           </a:rPr>
-                          <m:t>(</m:t>
+                          <m:t>x</m:t>
                         </m:r>
                         <m:r>
                           <m:rPr>
@@ -18070,14 +18273,27 @@
                             <a:latin typeface="Times New Roman" panose="02020603050405020304" pitchFamily="18" charset="0"/>
                             <a:cs typeface="Times New Roman" panose="02020603050405020304" pitchFamily="18" charset="0"/>
                           </a:rPr>
-                          <m:t>FF</m:t>
+                          <m:t> .3 + .25 </m:t>
                         </m:r>
                         <m:r>
                           <m:rPr>
                             <m:nor/>
                           </m:rPr>
-                          <a:rPr lang="en-US" sz="2400" dirty="0"/>
-                          <m:t>)</m:t>
+                          <a:rPr lang="en-US" sz="2400" dirty="0">
+                            <a:latin typeface="Times New Roman" panose="02020603050405020304" pitchFamily="18" charset="0"/>
+                            <a:cs typeface="Times New Roman" panose="02020603050405020304" pitchFamily="18" charset="0"/>
+                          </a:rPr>
+                          <m:t>x</m:t>
+                        </m:r>
+                        <m:r>
+                          <m:rPr>
+                            <m:nor/>
+                          </m:rPr>
+                          <a:rPr lang="en-US" sz="2400" dirty="0">
+                            <a:latin typeface="Times New Roman" panose="02020603050405020304" pitchFamily="18" charset="0"/>
+                            <a:cs typeface="Times New Roman" panose="02020603050405020304" pitchFamily="18" charset="0"/>
+                          </a:rPr>
+                          <m:t> .7</m:t>
                         </m:r>
                       </m:den>
                     </m:f>
@@ -18120,13 +18336,13 @@
             </p:nvSpPr>
             <p:spPr>
               <a:xfrm>
-                <a:off x="5088834" y="415715"/>
+                <a:off x="4810540" y="2888729"/>
                 <a:ext cx="5855978" cy="3639047"/>
               </a:xfrm>
               <a:blipFill>
                 <a:blip r:embed="rId2"/>
                 <a:stretch>
-                  <a:fillRect l="-1667"/>
+                  <a:fillRect l="-1561"/>
                 </a:stretch>
               </a:blipFill>
             </p:spPr>
@@ -18145,104 +18361,6 @@
           </p:sp>
         </mc:Fallback>
       </mc:AlternateContent>
-      <p:sp>
-        <p:nvSpPr>
-          <p:cNvPr id="9" name="Text Placeholder 8">
-            <a:extLst>
-              <a:ext uri="{FF2B5EF4-FFF2-40B4-BE49-F238E27FC236}">
-                <a16:creationId xmlns:a16="http://schemas.microsoft.com/office/drawing/2014/main" id="{C19E5DB3-FF95-4AE2-BBC1-F44F864A1D8D}"/>
-              </a:ext>
-              <a:ext uri="{C183D7F6-B498-43B3-948B-1728B52AA6E4}">
-                <adec:decorative xmlns:adec="http://schemas.microsoft.com/office/drawing/2017/decorative" val="0"/>
-              </a:ext>
-            </a:extLst>
-          </p:cNvPr>
-          <p:cNvSpPr>
-            <a:spLocks noGrp="1"/>
-          </p:cNvSpPr>
-          <p:nvPr>
-            <p:ph type="body" sz="half" idx="17"/>
-          </p:nvPr>
-        </p:nvSpPr>
-        <p:spPr>
-          <a:xfrm>
-            <a:off x="3430602" y="4863548"/>
-            <a:ext cx="6521781" cy="1683026"/>
-          </a:xfrm>
-        </p:spPr>
-        <p:txBody>
-          <a:bodyPr>
-            <a:normAutofit/>
-          </a:bodyPr>
-          <a:lstStyle/>
-          <a:p>
-            <a:r>
-              <a:rPr lang="en-US" sz="2200" dirty="0">
-                <a:latin typeface="Times New Roman" panose="02020603050405020304" pitchFamily="18" charset="0"/>
-                <a:cs typeface="Times New Roman" panose="02020603050405020304" pitchFamily="18" charset="0"/>
-              </a:rPr>
-              <a:t>P(FF) = P(FF | I) x P(I) + P(FF | </a:t>
-            </a:r>
-            <a:r>
-              <a:rPr lang="en-US" sz="2000" dirty="0">
-                <a:latin typeface="Times New Roman" panose="02020603050405020304" pitchFamily="18" charset="0"/>
-                <a:cs typeface="Times New Roman" panose="02020603050405020304" pitchFamily="18" charset="0"/>
-              </a:rPr>
-              <a:t>I</a:t>
-            </a:r>
-            <a:r>
-              <a:rPr lang="en-US" sz="2000" baseline="30000" dirty="0">
-                <a:latin typeface="Times New Roman" panose="02020603050405020304" pitchFamily="18" charset="0"/>
-                <a:cs typeface="Times New Roman" panose="02020603050405020304" pitchFamily="18" charset="0"/>
-              </a:rPr>
-              <a:t>c</a:t>
-            </a:r>
-            <a:r>
-              <a:rPr lang="en-US" sz="2000" dirty="0">
-                <a:latin typeface="Times New Roman" panose="02020603050405020304" pitchFamily="18" charset="0"/>
-                <a:cs typeface="Times New Roman" panose="02020603050405020304" pitchFamily="18" charset="0"/>
-              </a:rPr>
-              <a:t> ) x P(I</a:t>
-            </a:r>
-            <a:r>
-              <a:rPr lang="en-US" sz="2000" baseline="30000" dirty="0">
-                <a:latin typeface="Times New Roman" panose="02020603050405020304" pitchFamily="18" charset="0"/>
-                <a:cs typeface="Times New Roman" panose="02020603050405020304" pitchFamily="18" charset="0"/>
-              </a:rPr>
-              <a:t>c</a:t>
-            </a:r>
-            <a:r>
-              <a:rPr lang="en-US" sz="2000" dirty="0">
-                <a:latin typeface="Times New Roman" panose="02020603050405020304" pitchFamily="18" charset="0"/>
-                <a:cs typeface="Times New Roman" panose="02020603050405020304" pitchFamily="18" charset="0"/>
-              </a:rPr>
-              <a:t>)</a:t>
-            </a:r>
-          </a:p>
-          <a:p>
-            <a:r>
-              <a:rPr lang="en-US" sz="2000" dirty="0">
-                <a:latin typeface="Times New Roman" panose="02020603050405020304" pitchFamily="18" charset="0"/>
-                <a:cs typeface="Times New Roman" panose="02020603050405020304" pitchFamily="18" charset="0"/>
-              </a:rPr>
-              <a:t>	= .5 x .3 + .25 x .7 </a:t>
-            </a:r>
-          </a:p>
-          <a:p>
-            <a:r>
-              <a:rPr lang="en-US" sz="2000" dirty="0">
-                <a:latin typeface="Times New Roman" panose="02020603050405020304" pitchFamily="18" charset="0"/>
-                <a:cs typeface="Times New Roman" panose="02020603050405020304" pitchFamily="18" charset="0"/>
-              </a:rPr>
-              <a:t>	= .325</a:t>
-            </a:r>
-            <a:endParaRPr lang="en-US" sz="2200" dirty="0">
-              <a:latin typeface="Times New Roman" panose="02020603050405020304" pitchFamily="18" charset="0"/>
-              <a:cs typeface="Times New Roman" panose="02020603050405020304" pitchFamily="18" charset="0"/>
-            </a:endParaRPr>
-          </a:p>
-        </p:txBody>
-      </p:sp>
       <mc:AlternateContent xmlns:mc="http://schemas.openxmlformats.org/markup-compatibility/2006">
         <mc:Choice xmlns:a14="http://schemas.microsoft.com/office/drawing/2010/main" Requires="a14">
           <p:sp>
@@ -18264,7 +18382,7 @@
             </p:nvSpPr>
             <p:spPr>
               <a:xfrm>
-                <a:off x="5115340" y="2321346"/>
+                <a:off x="4850296" y="4651427"/>
                 <a:ext cx="5605669" cy="2091628"/>
               </a:xfrm>
               <a:prstGeom prst="rect">
@@ -18563,7 +18681,7 @@
             </p:nvSpPr>
             <p:spPr>
               <a:xfrm>
-                <a:off x="5115340" y="2321346"/>
+                <a:off x="4850296" y="4651427"/>
                 <a:ext cx="5605669" cy="2091628"/>
               </a:xfrm>
               <a:prstGeom prst="rect">
@@ -18605,7 +18723,7 @@
         </p:nvSpPr>
         <p:spPr>
           <a:xfrm>
-            <a:off x="6202017" y="3207026"/>
+            <a:off x="5949485" y="5501308"/>
             <a:ext cx="1192696" cy="516835"/>
           </a:xfrm>
           <a:prstGeom prst="ellipse">
@@ -18641,6 +18759,36 @@
           </a:p>
         </p:txBody>
       </p:sp>
+      <p:pic>
+        <p:nvPicPr>
+          <p:cNvPr id="15" name="Picture 14">
+            <a:extLst>
+              <a:ext uri="{FF2B5EF4-FFF2-40B4-BE49-F238E27FC236}">
+                <a16:creationId xmlns:a16="http://schemas.microsoft.com/office/drawing/2014/main" id="{CFDDE15F-61E8-43A8-9E42-C7550661208D}"/>
+              </a:ext>
+            </a:extLst>
+          </p:cNvPr>
+          <p:cNvPicPr>
+            <a:picLocks noChangeAspect="1"/>
+          </p:cNvPicPr>
+          <p:nvPr/>
+        </p:nvPicPr>
+        <p:blipFill>
+          <a:blip r:embed="rId4"/>
+          <a:stretch>
+            <a:fillRect/>
+          </a:stretch>
+        </p:blipFill>
+        <p:spPr>
+          <a:xfrm>
+            <a:off x="3609074" y="114945"/>
+            <a:ext cx="8182293" cy="2641262"/>
+          </a:xfrm>
+          <a:prstGeom prst="rect">
+            <a:avLst/>
+          </a:prstGeom>
+        </p:spPr>
+      </p:pic>
     </p:spTree>
     <p:extLst>
       <p:ext uri="{BB962C8B-B14F-4D97-AF65-F5344CB8AC3E}">
@@ -18684,7 +18832,7 @@
                             </p:stCondLst>
                             <p:childTnLst>
                               <p:par>
-                                <p:cTn id="5" presetID="2" presetClass="entr" presetSubtype="4" fill="hold" grpId="0" nodeType="clickEffect">
+                                <p:cTn id="5" presetID="2" presetClass="entr" presetSubtype="4" fill="hold" nodeType="clickEffect">
                                   <p:stCondLst>
                                     <p:cond delay="0"/>
                                   </p:stCondLst>
@@ -18697,11 +18845,7 @@
                                           </p:stCondLst>
                                         </p:cTn>
                                         <p:tgtEl>
-                                          <p:spTgt spid="8">
-                                            <p:txEl>
-                                              <p:pRg st="0" end="0"/>
-                                            </p:txEl>
-                                          </p:spTgt>
+                                          <p:spTgt spid="15"/>
                                         </p:tgtEl>
                                         <p:attrNameLst>
                                           <p:attrName>style.visibility</p:attrName>
@@ -18715,11 +18859,7 @@
                                       <p:cBhvr additive="base">
                                         <p:cTn id="7" dur="500" fill="hold"/>
                                         <p:tgtEl>
-                                          <p:spTgt spid="8">
-                                            <p:txEl>
-                                              <p:pRg st="0" end="0"/>
-                                            </p:txEl>
-                                          </p:spTgt>
+                                          <p:spTgt spid="15"/>
                                         </p:tgtEl>
                                         <p:attrNameLst>
                                           <p:attrName>ppt_x</p:attrName>
@@ -18742,11 +18882,7 @@
                                       <p:cBhvr additive="base">
                                         <p:cTn id="8" dur="500" fill="hold"/>
                                         <p:tgtEl>
-                                          <p:spTgt spid="8">
-                                            <p:txEl>
-                                              <p:pRg st="0" end="0"/>
-                                            </p:txEl>
-                                          </p:spTgt>
+                                          <p:spTgt spid="15"/>
                                         </p:tgtEl>
                                         <p:attrNameLst>
                                           <p:attrName>ppt_y</p:attrName>
@@ -18802,7 +18938,7 @@
                                         <p:tgtEl>
                                           <p:spTgt spid="8">
                                             <p:txEl>
-                                              <p:pRg st="1" end="1"/>
+                                              <p:pRg st="0" end="0"/>
                                             </p:txEl>
                                           </p:spTgt>
                                         </p:tgtEl>
@@ -18820,7 +18956,7 @@
                                         <p:tgtEl>
                                           <p:spTgt spid="8">
                                             <p:txEl>
-                                              <p:pRg st="1" end="1"/>
+                                              <p:pRg st="0" end="0"/>
                                             </p:txEl>
                                           </p:spTgt>
                                         </p:tgtEl>
@@ -18847,7 +18983,7 @@
                                         <p:tgtEl>
                                           <p:spTgt spid="8">
                                             <p:txEl>
-                                              <p:pRg st="1" end="1"/>
+                                              <p:pRg st="0" end="0"/>
                                             </p:txEl>
                                           </p:spTgt>
                                         </p:tgtEl>
@@ -18903,9 +19039,9 @@
                                           </p:stCondLst>
                                         </p:cTn>
                                         <p:tgtEl>
-                                          <p:spTgt spid="9">
+                                          <p:spTgt spid="8">
                                             <p:txEl>
-                                              <p:pRg st="0" end="0"/>
+                                              <p:pRg st="1" end="1"/>
                                             </p:txEl>
                                           </p:spTgt>
                                         </p:tgtEl>
@@ -18921,9 +19057,9 @@
                                       <p:cBhvr additive="base">
                                         <p:cTn id="19" dur="500" fill="hold"/>
                                         <p:tgtEl>
-                                          <p:spTgt spid="9">
+                                          <p:spTgt spid="8">
                                             <p:txEl>
-                                              <p:pRg st="0" end="0"/>
+                                              <p:pRg st="1" end="1"/>
                                             </p:txEl>
                                           </p:spTgt>
                                         </p:tgtEl>
@@ -18948,9 +19084,9 @@
                                       <p:cBhvr additive="base">
                                         <p:cTn id="20" dur="500" fill="hold"/>
                                         <p:tgtEl>
-                                          <p:spTgt spid="9">
+                                          <p:spTgt spid="8">
                                             <p:txEl>
-                                              <p:pRg st="0" end="0"/>
+                                              <p:pRg st="1" end="1"/>
                                             </p:txEl>
                                           </p:spTgt>
                                         </p:tgtEl>
@@ -18993,7 +19129,7 @@
                             </p:stCondLst>
                             <p:childTnLst>
                               <p:par>
-                                <p:cTn id="23" presetID="2" presetClass="entr" presetSubtype="4" fill="hold" grpId="0" nodeType="clickEffect">
+                                <p:cTn id="23" presetID="2" presetClass="entr" presetSubtype="4" fill="hold" nodeType="clickEffect">
                                   <p:stCondLst>
                                     <p:cond delay="0"/>
                                   </p:stCondLst>
@@ -19006,9 +19142,9 @@
                                           </p:stCondLst>
                                         </p:cTn>
                                         <p:tgtEl>
-                                          <p:spTgt spid="9">
+                                          <p:spTgt spid="10">
                                             <p:txEl>
-                                              <p:pRg st="1" end="1"/>
+                                              <p:pRg st="0" end="0"/>
                                             </p:txEl>
                                           </p:spTgt>
                                         </p:tgtEl>
@@ -19024,9 +19160,9 @@
                                       <p:cBhvr additive="base">
                                         <p:cTn id="25" dur="500" fill="hold"/>
                                         <p:tgtEl>
-                                          <p:spTgt spid="9">
+                                          <p:spTgt spid="10">
                                             <p:txEl>
-                                              <p:pRg st="1" end="1"/>
+                                              <p:pRg st="0" end="0"/>
                                             </p:txEl>
                                           </p:spTgt>
                                         </p:tgtEl>
@@ -19051,9 +19187,9 @@
                                       <p:cBhvr additive="base">
                                         <p:cTn id="26" dur="500" fill="hold"/>
                                         <p:tgtEl>
-                                          <p:spTgt spid="9">
+                                          <p:spTgt spid="10">
                                             <p:txEl>
-                                              <p:pRg st="1" end="1"/>
+                                              <p:pRg st="0" end="0"/>
                                             </p:txEl>
                                           </p:spTgt>
                                         </p:tgtEl>
@@ -19096,7 +19232,7 @@
                             </p:stCondLst>
                             <p:childTnLst>
                               <p:par>
-                                <p:cTn id="29" presetID="2" presetClass="entr" presetSubtype="4" fill="hold" grpId="0" nodeType="clickEffect">
+                                <p:cTn id="29" presetID="2" presetClass="entr" presetSubtype="4" fill="hold" nodeType="clickEffect">
                                   <p:stCondLst>
                                     <p:cond delay="0"/>
                                   </p:stCondLst>
@@ -19109,9 +19245,9 @@
                                           </p:stCondLst>
                                         </p:cTn>
                                         <p:tgtEl>
-                                          <p:spTgt spid="9">
+                                          <p:spTgt spid="10">
                                             <p:txEl>
-                                              <p:pRg st="2" end="2"/>
+                                              <p:pRg st="1" end="1"/>
                                             </p:txEl>
                                           </p:spTgt>
                                         </p:tgtEl>
@@ -19127,9 +19263,9 @@
                                       <p:cBhvr additive="base">
                                         <p:cTn id="31" dur="500" fill="hold"/>
                                         <p:tgtEl>
-                                          <p:spTgt spid="9">
+                                          <p:spTgt spid="10">
                                             <p:txEl>
-                                              <p:pRg st="2" end="2"/>
+                                              <p:pRg st="1" end="1"/>
                                             </p:txEl>
                                           </p:spTgt>
                                         </p:tgtEl>
@@ -19154,9 +19290,9 @@
                                       <p:cBhvr additive="base">
                                         <p:cTn id="32" dur="500" fill="hold"/>
                                         <p:tgtEl>
-                                          <p:spTgt spid="9">
+                                          <p:spTgt spid="10">
                                             <p:txEl>
-                                              <p:pRg st="2" end="2"/>
+                                              <p:pRg st="1" end="1"/>
                                             </p:txEl>
                                           </p:spTgt>
                                         </p:tgtEl>
@@ -19199,7 +19335,7 @@
                             </p:stCondLst>
                             <p:childTnLst>
                               <p:par>
-                                <p:cTn id="35" presetID="2" presetClass="entr" presetSubtype="4" fill="hold" nodeType="clickEffect">
+                                <p:cTn id="35" presetID="2" presetClass="entr" presetSubtype="4" fill="hold" grpId="0" nodeType="clickEffect">
                                   <p:stCondLst>
                                     <p:cond delay="0"/>
                                   </p:stCondLst>
@@ -19207,212 +19343,6 @@
                                     <p:set>
                                       <p:cBhvr>
                                         <p:cTn id="36" dur="1" fill="hold">
-                                          <p:stCondLst>
-                                            <p:cond delay="0"/>
-                                          </p:stCondLst>
-                                        </p:cTn>
-                                        <p:tgtEl>
-                                          <p:spTgt spid="10">
-                                            <p:txEl>
-                                              <p:pRg st="0" end="0"/>
-                                            </p:txEl>
-                                          </p:spTgt>
-                                        </p:tgtEl>
-                                        <p:attrNameLst>
-                                          <p:attrName>style.visibility</p:attrName>
-                                        </p:attrNameLst>
-                                      </p:cBhvr>
-                                      <p:to>
-                                        <p:strVal val="visible"/>
-                                      </p:to>
-                                    </p:set>
-                                    <p:anim calcmode="lin" valueType="num">
-                                      <p:cBhvr additive="base">
-                                        <p:cTn id="37" dur="500" fill="hold"/>
-                                        <p:tgtEl>
-                                          <p:spTgt spid="10">
-                                            <p:txEl>
-                                              <p:pRg st="0" end="0"/>
-                                            </p:txEl>
-                                          </p:spTgt>
-                                        </p:tgtEl>
-                                        <p:attrNameLst>
-                                          <p:attrName>ppt_x</p:attrName>
-                                        </p:attrNameLst>
-                                      </p:cBhvr>
-                                      <p:tavLst>
-                                        <p:tav tm="0">
-                                          <p:val>
-                                            <p:strVal val="#ppt_x"/>
-                                          </p:val>
-                                        </p:tav>
-                                        <p:tav tm="100000">
-                                          <p:val>
-                                            <p:strVal val="#ppt_x"/>
-                                          </p:val>
-                                        </p:tav>
-                                      </p:tavLst>
-                                    </p:anim>
-                                    <p:anim calcmode="lin" valueType="num">
-                                      <p:cBhvr additive="base">
-                                        <p:cTn id="38" dur="500" fill="hold"/>
-                                        <p:tgtEl>
-                                          <p:spTgt spid="10">
-                                            <p:txEl>
-                                              <p:pRg st="0" end="0"/>
-                                            </p:txEl>
-                                          </p:spTgt>
-                                        </p:tgtEl>
-                                        <p:attrNameLst>
-                                          <p:attrName>ppt_y</p:attrName>
-                                        </p:attrNameLst>
-                                      </p:cBhvr>
-                                      <p:tavLst>
-                                        <p:tav tm="0">
-                                          <p:val>
-                                            <p:strVal val="1+#ppt_h/2"/>
-                                          </p:val>
-                                        </p:tav>
-                                        <p:tav tm="100000">
-                                          <p:val>
-                                            <p:strVal val="#ppt_y"/>
-                                          </p:val>
-                                        </p:tav>
-                                      </p:tavLst>
-                                    </p:anim>
-                                  </p:childTnLst>
-                                </p:cTn>
-                              </p:par>
-                            </p:childTnLst>
-                          </p:cTn>
-                        </p:par>
-                      </p:childTnLst>
-                    </p:cTn>
-                  </p:par>
-                  <p:par>
-                    <p:cTn id="39" fill="hold">
-                      <p:stCondLst>
-                        <p:cond delay="indefinite"/>
-                      </p:stCondLst>
-                      <p:childTnLst>
-                        <p:par>
-                          <p:cTn id="40" fill="hold">
-                            <p:stCondLst>
-                              <p:cond delay="0"/>
-                            </p:stCondLst>
-                            <p:childTnLst>
-                              <p:par>
-                                <p:cTn id="41" presetID="2" presetClass="entr" presetSubtype="4" fill="hold" nodeType="clickEffect">
-                                  <p:stCondLst>
-                                    <p:cond delay="0"/>
-                                  </p:stCondLst>
-                                  <p:childTnLst>
-                                    <p:set>
-                                      <p:cBhvr>
-                                        <p:cTn id="42" dur="1" fill="hold">
-                                          <p:stCondLst>
-                                            <p:cond delay="0"/>
-                                          </p:stCondLst>
-                                        </p:cTn>
-                                        <p:tgtEl>
-                                          <p:spTgt spid="10">
-                                            <p:txEl>
-                                              <p:pRg st="1" end="1"/>
-                                            </p:txEl>
-                                          </p:spTgt>
-                                        </p:tgtEl>
-                                        <p:attrNameLst>
-                                          <p:attrName>style.visibility</p:attrName>
-                                        </p:attrNameLst>
-                                      </p:cBhvr>
-                                      <p:to>
-                                        <p:strVal val="visible"/>
-                                      </p:to>
-                                    </p:set>
-                                    <p:anim calcmode="lin" valueType="num">
-                                      <p:cBhvr additive="base">
-                                        <p:cTn id="43" dur="500" fill="hold"/>
-                                        <p:tgtEl>
-                                          <p:spTgt spid="10">
-                                            <p:txEl>
-                                              <p:pRg st="1" end="1"/>
-                                            </p:txEl>
-                                          </p:spTgt>
-                                        </p:tgtEl>
-                                        <p:attrNameLst>
-                                          <p:attrName>ppt_x</p:attrName>
-                                        </p:attrNameLst>
-                                      </p:cBhvr>
-                                      <p:tavLst>
-                                        <p:tav tm="0">
-                                          <p:val>
-                                            <p:strVal val="#ppt_x"/>
-                                          </p:val>
-                                        </p:tav>
-                                        <p:tav tm="100000">
-                                          <p:val>
-                                            <p:strVal val="#ppt_x"/>
-                                          </p:val>
-                                        </p:tav>
-                                      </p:tavLst>
-                                    </p:anim>
-                                    <p:anim calcmode="lin" valueType="num">
-                                      <p:cBhvr additive="base">
-                                        <p:cTn id="44" dur="500" fill="hold"/>
-                                        <p:tgtEl>
-                                          <p:spTgt spid="10">
-                                            <p:txEl>
-                                              <p:pRg st="1" end="1"/>
-                                            </p:txEl>
-                                          </p:spTgt>
-                                        </p:tgtEl>
-                                        <p:attrNameLst>
-                                          <p:attrName>ppt_y</p:attrName>
-                                        </p:attrNameLst>
-                                      </p:cBhvr>
-                                      <p:tavLst>
-                                        <p:tav tm="0">
-                                          <p:val>
-                                            <p:strVal val="1+#ppt_h/2"/>
-                                          </p:val>
-                                        </p:tav>
-                                        <p:tav tm="100000">
-                                          <p:val>
-                                            <p:strVal val="#ppt_y"/>
-                                          </p:val>
-                                        </p:tav>
-                                      </p:tavLst>
-                                    </p:anim>
-                                  </p:childTnLst>
-                                </p:cTn>
-                              </p:par>
-                            </p:childTnLst>
-                          </p:cTn>
-                        </p:par>
-                      </p:childTnLst>
-                    </p:cTn>
-                  </p:par>
-                  <p:par>
-                    <p:cTn id="45" fill="hold">
-                      <p:stCondLst>
-                        <p:cond delay="indefinite"/>
-                      </p:stCondLst>
-                      <p:childTnLst>
-                        <p:par>
-                          <p:cTn id="46" fill="hold">
-                            <p:stCondLst>
-                              <p:cond delay="0"/>
-                            </p:stCondLst>
-                            <p:childTnLst>
-                              <p:par>
-                                <p:cTn id="47" presetID="2" presetClass="entr" presetSubtype="4" fill="hold" grpId="0" nodeType="clickEffect">
-                                  <p:stCondLst>
-                                    <p:cond delay="0"/>
-                                  </p:stCondLst>
-                                  <p:childTnLst>
-                                    <p:set>
-                                      <p:cBhvr>
-                                        <p:cTn id="48" dur="1" fill="hold">
                                           <p:stCondLst>
                                             <p:cond delay="0"/>
                                           </p:stCondLst>
@@ -19430,7 +19360,7 @@
                                     </p:set>
                                     <p:anim calcmode="lin" valueType="num">
                                       <p:cBhvr additive="base">
-                                        <p:cTn id="49" dur="500" fill="hold"/>
+                                        <p:cTn id="37" dur="500" fill="hold"/>
                                         <p:tgtEl>
                                           <p:spTgt spid="12"/>
                                         </p:tgtEl>
@@ -19453,7 +19383,7 @@
                                     </p:anim>
                                     <p:anim calcmode="lin" valueType="num">
                                       <p:cBhvr additive="base">
-                                        <p:cTn id="50" dur="500" fill="hold"/>
+                                        <p:cTn id="38" dur="500" fill="hold"/>
                                         <p:tgtEl>
                                           <p:spTgt spid="12"/>
                                         </p:tgtEl>
@@ -19506,7 +19436,6 @@
     </p:tnLst>
     <p:bldLst>
       <p:bldP spid="8" grpId="0" uiExpand="1" build="p"/>
-      <p:bldP spid="9" grpId="0" build="p"/>
       <p:bldP spid="12" grpId="0" animBg="1"/>
     </p:bldLst>
   </p:timing>
